--- a/slide_0610/20190610_urita.pptx
+++ b/slide_0610/20190610_urita.pptx
@@ -151,10 +151,7 @@
             <a:pPr>
               <a:defRPr sz="2400" b="0" i="0" u="none" strike="noStrike" kern="1200" spc="0" baseline="0">
                 <a:solidFill>
-                  <a:schemeClr val="tx1">
-                    <a:lumMod val="65000"/>
-                    <a:lumOff val="35000"/>
-                  </a:schemeClr>
+                  <a:schemeClr val="tx1"/>
                 </a:solidFill>
                 <a:latin typeface="+mn-lt"/>
                 <a:ea typeface="+mn-ea"/>
@@ -162,10 +159,18 @@
               </a:defRPr>
             </a:pPr>
             <a:r>
-              <a:rPr lang="en-US" altLang="ja-JP" sz="2400" dirty="0" smtClean="0"/>
-              <a:t>OOB</a:t>
+              <a:rPr lang="en-US" altLang="ja-JP" sz="2400" dirty="0" smtClean="0">
+                <a:solidFill>
+                  <a:schemeClr val="tx1"/>
+                </a:solidFill>
+              </a:rPr>
+              <a:t>validation</a:t>
             </a:r>
-            <a:endParaRPr lang="ja-JP" altLang="en-US" sz="2400" dirty="0"/>
+            <a:endParaRPr lang="ja-JP" altLang="en-US" sz="2400" dirty="0">
+              <a:solidFill>
+                <a:schemeClr val="tx1"/>
+              </a:solidFill>
+            </a:endParaRPr>
           </a:p>
         </c:rich>
       </c:tx>
@@ -173,8 +178,8 @@
         <c:manualLayout>
           <c:xMode val="edge"/>
           <c:yMode val="edge"/>
-          <c:x val="0.37910734821110997"/>
-          <c:y val="8.5369856724754667E-2"/>
+          <c:x val="0.33527355152866345"/>
+          <c:y val="7.0549928056342914E-2"/>
         </c:manualLayout>
       </c:layout>
       <c:overlay val="0"/>
@@ -192,742 +197,7 @@
           <a:pPr>
             <a:defRPr sz="2400" b="0" i="0" u="none" strike="noStrike" kern="1200" spc="0" baseline="0">
               <a:solidFill>
-                <a:schemeClr val="tx1">
-                  <a:lumMod val="65000"/>
-                  <a:lumOff val="35000"/>
-                </a:schemeClr>
-              </a:solidFill>
-              <a:latin typeface="+mn-lt"/>
-              <a:ea typeface="+mn-ea"/>
-              <a:cs typeface="+mn-cs"/>
-            </a:defRPr>
-          </a:pPr>
-          <a:endParaRPr lang="ja-JP"/>
-        </a:p>
-      </c:txPr>
-    </c:title>
-    <c:autoTitleDeleted val="0"/>
-    <c:plotArea>
-      <c:layout/>
-      <c:scatterChart>
-        <c:scatterStyle val="lineMarker"/>
-        <c:varyColors val="0"/>
-        <c:ser>
-          <c:idx val="0"/>
-          <c:order val="0"/>
-          <c:tx>
-            <c:strRef>
-              <c:f>Sheet1!$B$2</c:f>
-              <c:strCache>
-                <c:ptCount val="1"/>
-                <c:pt idx="0">
-                  <c:v>Glass</c:v>
-                </c:pt>
-              </c:strCache>
-            </c:strRef>
-          </c:tx>
-          <c:spPr>
-            <a:ln w="19050" cap="rnd">
-              <a:solidFill>
-                <a:schemeClr val="accent1"/>
-              </a:solidFill>
-              <a:round/>
-            </a:ln>
-            <a:effectLst/>
-          </c:spPr>
-          <c:marker>
-            <c:symbol val="circle"/>
-            <c:size val="5"/>
-            <c:spPr>
-              <a:solidFill>
-                <a:schemeClr val="accent1"/>
-              </a:solidFill>
-              <a:ln w="9525">
-                <a:solidFill>
-                  <a:schemeClr val="accent1"/>
-                </a:solidFill>
-              </a:ln>
-              <a:effectLst/>
-            </c:spPr>
-          </c:marker>
-          <c:xVal>
-            <c:numRef>
-              <c:f>Sheet1!$A$3:$A$6</c:f>
-              <c:numCache>
-                <c:formatCode>General</c:formatCode>
-                <c:ptCount val="4"/>
-                <c:pt idx="0">
-                  <c:v>100</c:v>
-                </c:pt>
-                <c:pt idx="1">
-                  <c:v>150</c:v>
-                </c:pt>
-                <c:pt idx="2">
-                  <c:v>200</c:v>
-                </c:pt>
-                <c:pt idx="3">
-                  <c:v>500</c:v>
-                </c:pt>
-              </c:numCache>
-            </c:numRef>
-          </c:xVal>
-          <c:yVal>
-            <c:numRef>
-              <c:f>Sheet1!$B$3:$B$6</c:f>
-              <c:numCache>
-                <c:formatCode>General</c:formatCode>
-                <c:ptCount val="4"/>
-                <c:pt idx="0">
-                  <c:v>56.65</c:v>
-                </c:pt>
-                <c:pt idx="1">
-                  <c:v>51.666666666666664</c:v>
-                </c:pt>
-                <c:pt idx="2">
-                  <c:v>52.2</c:v>
-                </c:pt>
-                <c:pt idx="3">
-                  <c:v>51.07</c:v>
-                </c:pt>
-              </c:numCache>
-            </c:numRef>
-          </c:yVal>
-          <c:smooth val="0"/>
-          <c:extLst>
-            <c:ext xmlns:c16="http://schemas.microsoft.com/office/drawing/2014/chart" uri="{C3380CC4-5D6E-409C-BE32-E72D297353CC}">
-              <c16:uniqueId val="{00000000-1759-4A08-8E82-BF1ABA2722B4}"/>
-            </c:ext>
-          </c:extLst>
-        </c:ser>
-        <c:ser>
-          <c:idx val="1"/>
-          <c:order val="1"/>
-          <c:tx>
-            <c:strRef>
-              <c:f>Sheet1!$C$2</c:f>
-              <c:strCache>
-                <c:ptCount val="1"/>
-                <c:pt idx="0">
-                  <c:v>Heart</c:v>
-                </c:pt>
-              </c:strCache>
-            </c:strRef>
-          </c:tx>
-          <c:spPr>
-            <a:ln w="19050" cap="rnd">
-              <a:solidFill>
-                <a:schemeClr val="accent2"/>
-              </a:solidFill>
-              <a:round/>
-            </a:ln>
-            <a:effectLst/>
-          </c:spPr>
-          <c:marker>
-            <c:symbol val="circle"/>
-            <c:size val="5"/>
-            <c:spPr>
-              <a:solidFill>
-                <a:schemeClr val="accent2"/>
-              </a:solidFill>
-              <a:ln w="9525">
-                <a:solidFill>
-                  <a:schemeClr val="accent2"/>
-                </a:solidFill>
-              </a:ln>
-              <a:effectLst/>
-            </c:spPr>
-          </c:marker>
-          <c:xVal>
-            <c:numRef>
-              <c:f>Sheet1!$A$3:$A$6</c:f>
-              <c:numCache>
-                <c:formatCode>General</c:formatCode>
-                <c:ptCount val="4"/>
-                <c:pt idx="0">
-                  <c:v>100</c:v>
-                </c:pt>
-                <c:pt idx="1">
-                  <c:v>150</c:v>
-                </c:pt>
-                <c:pt idx="2">
-                  <c:v>200</c:v>
-                </c:pt>
-                <c:pt idx="3">
-                  <c:v>500</c:v>
-                </c:pt>
-              </c:numCache>
-            </c:numRef>
-          </c:xVal>
-          <c:yVal>
-            <c:numRef>
-              <c:f>Sheet1!$C$3:$C$6</c:f>
-              <c:numCache>
-                <c:formatCode>General</c:formatCode>
-                <c:ptCount val="4"/>
-                <c:pt idx="0">
-                  <c:v>57.85</c:v>
-                </c:pt>
-                <c:pt idx="1">
-                  <c:v>52.833333333333336</c:v>
-                </c:pt>
-                <c:pt idx="2">
-                  <c:v>52</c:v>
-                </c:pt>
-                <c:pt idx="3">
-                  <c:v>49.410000000000004</c:v>
-                </c:pt>
-              </c:numCache>
-            </c:numRef>
-          </c:yVal>
-          <c:smooth val="0"/>
-          <c:extLst>
-            <c:ext xmlns:c16="http://schemas.microsoft.com/office/drawing/2014/chart" uri="{C3380CC4-5D6E-409C-BE32-E72D297353CC}">
-              <c16:uniqueId val="{00000001-1759-4A08-8E82-BF1ABA2722B4}"/>
-            </c:ext>
-          </c:extLst>
-        </c:ser>
-        <c:ser>
-          <c:idx val="2"/>
-          <c:order val="2"/>
-          <c:tx>
-            <c:strRef>
-              <c:f>Sheet1!$D$2</c:f>
-              <c:strCache>
-                <c:ptCount val="1"/>
-                <c:pt idx="0">
-                  <c:v>Pima</c:v>
-                </c:pt>
-              </c:strCache>
-            </c:strRef>
-          </c:tx>
-          <c:spPr>
-            <a:ln w="19050" cap="rnd">
-              <a:solidFill>
-                <a:schemeClr val="accent3"/>
-              </a:solidFill>
-              <a:round/>
-            </a:ln>
-            <a:effectLst/>
-          </c:spPr>
-          <c:marker>
-            <c:symbol val="circle"/>
-            <c:size val="5"/>
-            <c:spPr>
-              <a:solidFill>
-                <a:schemeClr val="accent3"/>
-              </a:solidFill>
-              <a:ln w="9525">
-                <a:solidFill>
-                  <a:schemeClr val="accent3"/>
-                </a:solidFill>
-              </a:ln>
-              <a:effectLst/>
-            </c:spPr>
-          </c:marker>
-          <c:xVal>
-            <c:numRef>
-              <c:f>Sheet1!$A$3:$A$6</c:f>
-              <c:numCache>
-                <c:formatCode>General</c:formatCode>
-                <c:ptCount val="4"/>
-                <c:pt idx="0">
-                  <c:v>100</c:v>
-                </c:pt>
-                <c:pt idx="1">
-                  <c:v>150</c:v>
-                </c:pt>
-                <c:pt idx="2">
-                  <c:v>200</c:v>
-                </c:pt>
-                <c:pt idx="3">
-                  <c:v>500</c:v>
-                </c:pt>
-              </c:numCache>
-            </c:numRef>
-          </c:xVal>
-          <c:yVal>
-            <c:numRef>
-              <c:f>Sheet1!$D$3:$D$6</c:f>
-              <c:numCache>
-                <c:formatCode>General</c:formatCode>
-                <c:ptCount val="4"/>
-                <c:pt idx="0">
-                  <c:v>69.25</c:v>
-                </c:pt>
-                <c:pt idx="1">
-                  <c:v>55.633333333333333</c:v>
-                </c:pt>
-                <c:pt idx="2">
-                  <c:v>53.174999999999997</c:v>
-                </c:pt>
-                <c:pt idx="3">
-                  <c:v>49.06</c:v>
-                </c:pt>
-              </c:numCache>
-            </c:numRef>
-          </c:yVal>
-          <c:smooth val="0"/>
-          <c:extLst>
-            <c:ext xmlns:c16="http://schemas.microsoft.com/office/drawing/2014/chart" uri="{C3380CC4-5D6E-409C-BE32-E72D297353CC}">
-              <c16:uniqueId val="{00000002-1759-4A08-8E82-BF1ABA2722B4}"/>
-            </c:ext>
-          </c:extLst>
-        </c:ser>
-        <c:ser>
-          <c:idx val="3"/>
-          <c:order val="3"/>
-          <c:tx>
-            <c:strRef>
-              <c:f>Sheet1!$E$2</c:f>
-              <c:strCache>
-                <c:ptCount val="1"/>
-                <c:pt idx="0">
-                  <c:v>Vehicle</c:v>
-                </c:pt>
-              </c:strCache>
-            </c:strRef>
-          </c:tx>
-          <c:spPr>
-            <a:ln w="19050" cap="rnd">
-              <a:solidFill>
-                <a:schemeClr val="accent4"/>
-              </a:solidFill>
-              <a:round/>
-            </a:ln>
-            <a:effectLst/>
-          </c:spPr>
-          <c:marker>
-            <c:symbol val="circle"/>
-            <c:size val="5"/>
-            <c:spPr>
-              <a:solidFill>
-                <a:schemeClr val="accent4"/>
-              </a:solidFill>
-              <a:ln w="9525">
-                <a:solidFill>
-                  <a:schemeClr val="accent4"/>
-                </a:solidFill>
-              </a:ln>
-              <a:effectLst/>
-            </c:spPr>
-          </c:marker>
-          <c:xVal>
-            <c:numRef>
-              <c:f>Sheet1!$A$3:$A$6</c:f>
-              <c:numCache>
-                <c:formatCode>General</c:formatCode>
-                <c:ptCount val="4"/>
-                <c:pt idx="0">
-                  <c:v>100</c:v>
-                </c:pt>
-                <c:pt idx="1">
-                  <c:v>150</c:v>
-                </c:pt>
-                <c:pt idx="2">
-                  <c:v>200</c:v>
-                </c:pt>
-                <c:pt idx="3">
-                  <c:v>500</c:v>
-                </c:pt>
-              </c:numCache>
-            </c:numRef>
-          </c:xVal>
-          <c:yVal>
-            <c:numRef>
-              <c:f>Sheet1!$E$3:$E$6</c:f>
-              <c:numCache>
-                <c:formatCode>General</c:formatCode>
-                <c:ptCount val="4"/>
-                <c:pt idx="0">
-                  <c:v>70.2</c:v>
-                </c:pt>
-                <c:pt idx="1">
-                  <c:v>58.1</c:v>
-                </c:pt>
-                <c:pt idx="2">
-                  <c:v>51.65</c:v>
-                </c:pt>
-                <c:pt idx="3">
-                  <c:v>50.18</c:v>
-                </c:pt>
-              </c:numCache>
-            </c:numRef>
-          </c:yVal>
-          <c:smooth val="0"/>
-          <c:extLst>
-            <c:ext xmlns:c16="http://schemas.microsoft.com/office/drawing/2014/chart" uri="{C3380CC4-5D6E-409C-BE32-E72D297353CC}">
-              <c16:uniqueId val="{00000003-1759-4A08-8E82-BF1ABA2722B4}"/>
-            </c:ext>
-          </c:extLst>
-        </c:ser>
-        <c:ser>
-          <c:idx val="4"/>
-          <c:order val="4"/>
-          <c:tx>
-            <c:strRef>
-              <c:f>Sheet1!$F$2</c:f>
-              <c:strCache>
-                <c:ptCount val="1"/>
-                <c:pt idx="0">
-                  <c:v>Satimage</c:v>
-                </c:pt>
-              </c:strCache>
-            </c:strRef>
-          </c:tx>
-          <c:spPr>
-            <a:ln w="19050" cap="rnd">
-              <a:solidFill>
-                <a:schemeClr val="accent5"/>
-              </a:solidFill>
-              <a:round/>
-            </a:ln>
-            <a:effectLst/>
-          </c:spPr>
-          <c:marker>
-            <c:symbol val="circle"/>
-            <c:size val="5"/>
-            <c:spPr>
-              <a:solidFill>
-                <a:schemeClr val="accent5"/>
-              </a:solidFill>
-              <a:ln w="9525">
-                <a:solidFill>
-                  <a:schemeClr val="accent5"/>
-                </a:solidFill>
-              </a:ln>
-              <a:effectLst/>
-            </c:spPr>
-          </c:marker>
-          <c:xVal>
-            <c:numRef>
-              <c:f>Sheet1!$A$3:$A$6</c:f>
-              <c:numCache>
-                <c:formatCode>General</c:formatCode>
-                <c:ptCount val="4"/>
-                <c:pt idx="0">
-                  <c:v>100</c:v>
-                </c:pt>
-                <c:pt idx="1">
-                  <c:v>150</c:v>
-                </c:pt>
-                <c:pt idx="2">
-                  <c:v>200</c:v>
-                </c:pt>
-                <c:pt idx="3">
-                  <c:v>500</c:v>
-                </c:pt>
-              </c:numCache>
-            </c:numRef>
-          </c:xVal>
-          <c:yVal>
-            <c:numRef>
-              <c:f>Sheet1!$F$3:$F$6</c:f>
-              <c:numCache>
-                <c:formatCode>General</c:formatCode>
-                <c:ptCount val="4"/>
-                <c:pt idx="0">
-                  <c:v>87.3</c:v>
-                </c:pt>
-                <c:pt idx="1">
-                  <c:v>75.833333333333329</c:v>
-                </c:pt>
-                <c:pt idx="2">
-                  <c:v>64.849999999999994</c:v>
-                </c:pt>
-                <c:pt idx="3">
-                  <c:v>49.980000000000004</c:v>
-                </c:pt>
-              </c:numCache>
-            </c:numRef>
-          </c:yVal>
-          <c:smooth val="0"/>
-          <c:extLst>
-            <c:ext xmlns:c16="http://schemas.microsoft.com/office/drawing/2014/chart" uri="{C3380CC4-5D6E-409C-BE32-E72D297353CC}">
-              <c16:uniqueId val="{00000004-1759-4A08-8E82-BF1ABA2722B4}"/>
-            </c:ext>
-          </c:extLst>
-        </c:ser>
-        <c:dLbls>
-          <c:showLegendKey val="0"/>
-          <c:showVal val="0"/>
-          <c:showCatName val="0"/>
-          <c:showSerName val="0"/>
-          <c:showPercent val="0"/>
-          <c:showBubbleSize val="0"/>
-        </c:dLbls>
-        <c:axId val="747348287"/>
-        <c:axId val="747353695"/>
-      </c:scatterChart>
-      <c:valAx>
-        <c:axId val="747348287"/>
-        <c:scaling>
-          <c:orientation val="minMax"/>
-          <c:max val="500"/>
-          <c:min val="100"/>
-        </c:scaling>
-        <c:delete val="0"/>
-        <c:axPos val="b"/>
-        <c:majorGridlines>
-          <c:spPr>
-            <a:ln w="9525" cap="flat" cmpd="sng" algn="ctr">
-              <a:solidFill>
-                <a:schemeClr val="tx1">
-                  <a:lumMod val="15000"/>
-                  <a:lumOff val="85000"/>
-                </a:schemeClr>
-              </a:solidFill>
-              <a:round/>
-            </a:ln>
-            <a:effectLst/>
-          </c:spPr>
-        </c:majorGridlines>
-        <c:numFmt formatCode="General" sourceLinked="1"/>
-        <c:majorTickMark val="none"/>
-        <c:minorTickMark val="none"/>
-        <c:tickLblPos val="nextTo"/>
-        <c:spPr>
-          <a:noFill/>
-          <a:ln w="9525" cap="flat" cmpd="sng" algn="ctr">
-            <a:solidFill>
-              <a:schemeClr val="tx1">
-                <a:lumMod val="25000"/>
-                <a:lumOff val="75000"/>
-              </a:schemeClr>
-            </a:solidFill>
-            <a:round/>
-          </a:ln>
-          <a:effectLst/>
-        </c:spPr>
-        <c:txPr>
-          <a:bodyPr rot="-60000000" spcFirstLastPara="1" vertOverflow="ellipsis" vert="horz" wrap="square" anchor="ctr" anchorCtr="1"/>
-          <a:lstStyle/>
-          <a:p>
-            <a:pPr>
-              <a:defRPr sz="1800" b="0" i="0" u="none" strike="noStrike" kern="1200" baseline="0">
-                <a:solidFill>
-                  <a:schemeClr val="tx1">
-                    <a:lumMod val="65000"/>
-                    <a:lumOff val="35000"/>
-                  </a:schemeClr>
-                </a:solidFill>
-                <a:latin typeface="+mn-lt"/>
-                <a:ea typeface="+mn-ea"/>
-                <a:cs typeface="+mn-cs"/>
-              </a:defRPr>
-            </a:pPr>
-            <a:endParaRPr lang="ja-JP"/>
-          </a:p>
-        </c:txPr>
-        <c:crossAx val="747353695"/>
-        <c:crosses val="autoZero"/>
-        <c:crossBetween val="midCat"/>
-      </c:valAx>
-      <c:valAx>
-        <c:axId val="747353695"/>
-        <c:scaling>
-          <c:orientation val="minMax"/>
-        </c:scaling>
-        <c:delete val="0"/>
-        <c:axPos val="l"/>
-        <c:majorGridlines>
-          <c:spPr>
-            <a:ln w="9525" cap="flat" cmpd="sng" algn="ctr">
-              <a:solidFill>
-                <a:schemeClr val="tx1">
-                  <a:lumMod val="15000"/>
-                  <a:lumOff val="85000"/>
-                </a:schemeClr>
-              </a:solidFill>
-              <a:round/>
-            </a:ln>
-            <a:effectLst/>
-          </c:spPr>
-        </c:majorGridlines>
-        <c:numFmt formatCode="General" sourceLinked="1"/>
-        <c:majorTickMark val="none"/>
-        <c:minorTickMark val="none"/>
-        <c:tickLblPos val="nextTo"/>
-        <c:spPr>
-          <a:noFill/>
-          <a:ln w="9525" cap="flat" cmpd="sng" algn="ctr">
-            <a:solidFill>
-              <a:schemeClr val="tx1">
-                <a:lumMod val="25000"/>
-                <a:lumOff val="75000"/>
-              </a:schemeClr>
-            </a:solidFill>
-            <a:round/>
-          </a:ln>
-          <a:effectLst/>
-        </c:spPr>
-        <c:txPr>
-          <a:bodyPr rot="-60000000" spcFirstLastPara="1" vertOverflow="ellipsis" vert="horz" wrap="square" anchor="ctr" anchorCtr="1"/>
-          <a:lstStyle/>
-          <a:p>
-            <a:pPr>
-              <a:defRPr sz="1800" b="0" i="0" u="none" strike="noStrike" kern="1200" baseline="0">
-                <a:solidFill>
-                  <a:schemeClr val="tx1">
-                    <a:lumMod val="65000"/>
-                    <a:lumOff val="35000"/>
-                  </a:schemeClr>
-                </a:solidFill>
-                <a:latin typeface="+mn-lt"/>
-                <a:ea typeface="+mn-ea"/>
-                <a:cs typeface="+mn-cs"/>
-              </a:defRPr>
-            </a:pPr>
-            <a:endParaRPr lang="ja-JP"/>
-          </a:p>
-        </c:txPr>
-        <c:crossAx val="747348287"/>
-        <c:crosses val="autoZero"/>
-        <c:crossBetween val="midCat"/>
-      </c:valAx>
-      <c:spPr>
-        <a:noFill/>
-        <a:ln>
-          <a:noFill/>
-        </a:ln>
-        <a:effectLst/>
-      </c:spPr>
-    </c:plotArea>
-    <c:legend>
-      <c:legendPos val="r"/>
-      <c:layout>
-        <c:manualLayout>
-          <c:xMode val="edge"/>
-          <c:yMode val="edge"/>
-          <c:x val="0.80172704669806516"/>
-          <c:y val="0.1202744171122028"/>
-          <c:w val="0.1794644869250305"/>
-          <c:h val="0.68317424488780931"/>
-        </c:manualLayout>
-      </c:layout>
-      <c:overlay val="0"/>
-      <c:spPr>
-        <a:noFill/>
-        <a:ln>
-          <a:noFill/>
-        </a:ln>
-        <a:effectLst/>
-      </c:spPr>
-      <c:txPr>
-        <a:bodyPr rot="0" spcFirstLastPara="1" vertOverflow="ellipsis" vert="horz" wrap="square" anchor="ctr" anchorCtr="1"/>
-        <a:lstStyle/>
-        <a:p>
-          <a:pPr>
-            <a:defRPr sz="2000" b="0" i="0" u="none" strike="noStrike" kern="1200" baseline="0">
-              <a:solidFill>
-                <a:schemeClr val="tx1">
-                  <a:lumMod val="65000"/>
-                  <a:lumOff val="35000"/>
-                </a:schemeClr>
-              </a:solidFill>
-              <a:latin typeface="+mn-lt"/>
-              <a:ea typeface="+mn-ea"/>
-              <a:cs typeface="+mn-cs"/>
-            </a:defRPr>
-          </a:pPr>
-          <a:endParaRPr lang="ja-JP"/>
-        </a:p>
-      </c:txPr>
-    </c:legend>
-    <c:plotVisOnly val="1"/>
-    <c:dispBlanksAs val="gap"/>
-    <c:showDLblsOverMax val="0"/>
-  </c:chart>
-  <c:spPr>
-    <a:noFill/>
-    <a:ln>
-      <a:noFill/>
-    </a:ln>
-    <a:effectLst/>
-  </c:spPr>
-  <c:txPr>
-    <a:bodyPr/>
-    <a:lstStyle/>
-    <a:p>
-      <a:pPr>
-        <a:defRPr/>
-      </a:pPr>
-      <a:endParaRPr lang="ja-JP"/>
-    </a:p>
-  </c:txPr>
-  <c:externalData r:id="rId3">
-    <c:autoUpdate val="0"/>
-  </c:externalData>
-</c:chartSpace>
-</file>
-
-<file path=ppt/charts/chart2.xml><?xml version="1.0" encoding="utf-8"?>
-<c:chartSpace xmlns:c="http://schemas.openxmlformats.org/drawingml/2006/chart" xmlns:a="http://schemas.openxmlformats.org/drawingml/2006/main" xmlns:r="http://schemas.openxmlformats.org/officeDocument/2006/relationships" xmlns:c16r2="http://schemas.microsoft.com/office/drawing/2015/06/chart">
-  <c:date1904 val="0"/>
-  <c:lang val="ja-JP"/>
-  <c:roundedCorners val="0"/>
-  <mc:AlternateContent xmlns:mc="http://schemas.openxmlformats.org/markup-compatibility/2006">
-    <mc:Choice xmlns:c14="http://schemas.microsoft.com/office/drawing/2007/8/2/chart" Requires="c14">
-      <c14:style val="102"/>
-    </mc:Choice>
-    <mc:Fallback>
-      <c:style val="2"/>
-    </mc:Fallback>
-  </mc:AlternateContent>
-  <c:chart>
-    <c:title>
-      <c:tx>
-        <c:rich>
-          <a:bodyPr rot="0" spcFirstLastPara="1" vertOverflow="ellipsis" vert="horz" wrap="square" anchor="ctr" anchorCtr="1"/>
-          <a:lstStyle/>
-          <a:p>
-            <a:pPr>
-              <a:defRPr sz="2400" b="0" i="0" u="none" strike="noStrike" kern="1200" spc="0" baseline="0">
-                <a:solidFill>
-                  <a:schemeClr val="tx1">
-                    <a:lumMod val="65000"/>
-                    <a:lumOff val="35000"/>
-                  </a:schemeClr>
-                </a:solidFill>
-                <a:latin typeface="+mn-lt"/>
-                <a:ea typeface="+mn-ea"/>
-                <a:cs typeface="+mn-cs"/>
-              </a:defRPr>
-            </a:pPr>
-            <a:r>
-              <a:rPr lang="en-US" altLang="ja-JP" sz="2400" dirty="0" smtClean="0"/>
-              <a:t>validation</a:t>
-            </a:r>
-            <a:endParaRPr lang="ja-JP" altLang="en-US" sz="2400" dirty="0"/>
-          </a:p>
-        </c:rich>
-      </c:tx>
-      <c:layout>
-        <c:manualLayout>
-          <c:xMode val="edge"/>
-          <c:yMode val="edge"/>
-          <c:x val="0.42411294865041432"/>
-          <c:y val="6.0832465201727262E-2"/>
-        </c:manualLayout>
-      </c:layout>
-      <c:overlay val="0"/>
-      <c:spPr>
-        <a:noFill/>
-        <a:ln>
-          <a:noFill/>
-        </a:ln>
-        <a:effectLst/>
-      </c:spPr>
-      <c:txPr>
-        <a:bodyPr rot="0" spcFirstLastPara="1" vertOverflow="ellipsis" vert="horz" wrap="square" anchor="ctr" anchorCtr="1"/>
-        <a:lstStyle/>
-        <a:p>
-          <a:pPr>
-            <a:defRPr sz="2400" b="0" i="0" u="none" strike="noStrike" kern="1200" spc="0" baseline="0">
-              <a:solidFill>
-                <a:schemeClr val="tx1">
-                  <a:lumMod val="65000"/>
-                  <a:lumOff val="35000"/>
-                </a:schemeClr>
+                <a:schemeClr val="tx1"/>
               </a:solidFill>
               <a:latin typeface="+mn-lt"/>
               <a:ea typeface="+mn-ea"/>
@@ -1437,10 +707,7 @@
             <a:pPr>
               <a:defRPr sz="1800" b="0" i="0" u="none" strike="noStrike" kern="1200" baseline="0">
                 <a:solidFill>
-                  <a:schemeClr val="tx1">
-                    <a:lumMod val="65000"/>
-                    <a:lumOff val="35000"/>
-                  </a:schemeClr>
+                  <a:schemeClr val="tx1"/>
                 </a:solidFill>
                 <a:latin typeface="+mn-lt"/>
                 <a:ea typeface="+mn-ea"/>
@@ -1500,10 +767,7 @@
             <a:pPr>
               <a:defRPr sz="1800" b="0" i="0" u="none" strike="noStrike" kern="1200" baseline="0">
                 <a:solidFill>
-                  <a:schemeClr val="tx1">
-                    <a:lumMod val="65000"/>
-                    <a:lumOff val="35000"/>
-                  </a:schemeClr>
+                  <a:schemeClr val="tx1"/>
                 </a:solidFill>
                 <a:latin typeface="+mn-lt"/>
                 <a:ea typeface="+mn-ea"/>
@@ -1525,6 +789,44 @@
         <a:effectLst/>
       </c:spPr>
     </c:plotArea>
+    <c:legend>
+      <c:legendPos val="r"/>
+      <c:layout>
+        <c:manualLayout>
+          <c:xMode val="edge"/>
+          <c:yMode val="edge"/>
+          <c:x val="0.85704607581816394"/>
+          <c:y val="0.39516636564211194"/>
+          <c:w val="0.14295386259647638"/>
+          <c:h val="0.60483363435788806"/>
+        </c:manualLayout>
+      </c:layout>
+      <c:overlay val="0"/>
+      <c:spPr>
+        <a:noFill/>
+        <a:ln>
+          <a:noFill/>
+        </a:ln>
+        <a:effectLst/>
+      </c:spPr>
+      <c:txPr>
+        <a:bodyPr rot="0" spcFirstLastPara="1" vertOverflow="ellipsis" vert="horz" wrap="square" anchor="ctr" anchorCtr="1"/>
+        <a:lstStyle/>
+        <a:p>
+          <a:pPr>
+            <a:defRPr sz="2000" b="0" i="0" u="none" strike="noStrike" kern="1200" baseline="0">
+              <a:solidFill>
+                <a:schemeClr val="tx1"/>
+              </a:solidFill>
+              <a:latin typeface="+mn-lt"/>
+              <a:ea typeface="+mn-ea"/>
+              <a:cs typeface="+mn-cs"/>
+            </a:defRPr>
+          </a:pPr>
+          <a:endParaRPr lang="ja-JP"/>
+        </a:p>
+      </c:txPr>
+    </c:legend>
     <c:plotVisOnly val="1"/>
     <c:dispBlanksAs val="gap"/>
     <c:showDLblsOverMax val="0"/>
@@ -1592,563 +894,7 @@
 </cs:colorStyle>
 </file>
 
-<file path=ppt/charts/colors2.xml><?xml version="1.0" encoding="utf-8"?>
-<cs:colorStyle xmlns:cs="http://schemas.microsoft.com/office/drawing/2012/chartStyle" xmlns:a="http://schemas.openxmlformats.org/drawingml/2006/main" meth="cycle" id="10">
-  <a:schemeClr val="accent1"/>
-  <a:schemeClr val="accent2"/>
-  <a:schemeClr val="accent3"/>
-  <a:schemeClr val="accent4"/>
-  <a:schemeClr val="accent5"/>
-  <a:schemeClr val="accent6"/>
-  <cs:variation/>
-  <cs:variation>
-    <a:lumMod val="60000"/>
-  </cs:variation>
-  <cs:variation>
-    <a:lumMod val="80000"/>
-    <a:lumOff val="20000"/>
-  </cs:variation>
-  <cs:variation>
-    <a:lumMod val="80000"/>
-  </cs:variation>
-  <cs:variation>
-    <a:lumMod val="60000"/>
-    <a:lumOff val="40000"/>
-  </cs:variation>
-  <cs:variation>
-    <a:lumMod val="50000"/>
-  </cs:variation>
-  <cs:variation>
-    <a:lumMod val="70000"/>
-    <a:lumOff val="30000"/>
-  </cs:variation>
-  <cs:variation>
-    <a:lumMod val="70000"/>
-  </cs:variation>
-  <cs:variation>
-    <a:lumMod val="50000"/>
-    <a:lumOff val="50000"/>
-  </cs:variation>
-</cs:colorStyle>
-</file>
-
 <file path=ppt/charts/style1.xml><?xml version="1.0" encoding="utf-8"?>
-<cs:chartStyle xmlns:cs="http://schemas.microsoft.com/office/drawing/2012/chartStyle" xmlns:a="http://schemas.openxmlformats.org/drawingml/2006/main" id="240">
-  <cs:axisTitle>
-    <cs:lnRef idx="0"/>
-    <cs:fillRef idx="0"/>
-    <cs:effectRef idx="0"/>
-    <cs:fontRef idx="minor">
-      <a:schemeClr val="tx1">
-        <a:lumMod val="65000"/>
-        <a:lumOff val="35000"/>
-      </a:schemeClr>
-    </cs:fontRef>
-    <cs:defRPr sz="1000" kern="1200"/>
-  </cs:axisTitle>
-  <cs:categoryAxis>
-    <cs:lnRef idx="0"/>
-    <cs:fillRef idx="0"/>
-    <cs:effectRef idx="0"/>
-    <cs:fontRef idx="minor">
-      <a:schemeClr val="tx1">
-        <a:lumMod val="65000"/>
-        <a:lumOff val="35000"/>
-      </a:schemeClr>
-    </cs:fontRef>
-    <cs:spPr>
-      <a:ln w="9525" cap="flat" cmpd="sng" algn="ctr">
-        <a:solidFill>
-          <a:schemeClr val="tx1">
-            <a:lumMod val="25000"/>
-            <a:lumOff val="75000"/>
-          </a:schemeClr>
-        </a:solidFill>
-        <a:round/>
-      </a:ln>
-    </cs:spPr>
-    <cs:defRPr sz="900" kern="1200"/>
-  </cs:categoryAxis>
-  <cs:chartArea mods="allowNoFillOverride allowNoLineOverride">
-    <cs:lnRef idx="0"/>
-    <cs:fillRef idx="0"/>
-    <cs:effectRef idx="0"/>
-    <cs:fontRef idx="minor">
-      <a:schemeClr val="tx1"/>
-    </cs:fontRef>
-    <cs:spPr>
-      <a:solidFill>
-        <a:schemeClr val="bg1"/>
-      </a:solidFill>
-      <a:ln w="9525" cap="flat" cmpd="sng" algn="ctr">
-        <a:solidFill>
-          <a:schemeClr val="tx1">
-            <a:lumMod val="15000"/>
-            <a:lumOff val="85000"/>
-          </a:schemeClr>
-        </a:solidFill>
-        <a:round/>
-      </a:ln>
-    </cs:spPr>
-    <cs:defRPr sz="1000" kern="1200"/>
-  </cs:chartArea>
-  <cs:dataLabel>
-    <cs:lnRef idx="0"/>
-    <cs:fillRef idx="0"/>
-    <cs:effectRef idx="0"/>
-    <cs:fontRef idx="minor">
-      <a:schemeClr val="tx1">
-        <a:lumMod val="75000"/>
-        <a:lumOff val="25000"/>
-      </a:schemeClr>
-    </cs:fontRef>
-    <cs:defRPr sz="900" kern="1200"/>
-  </cs:dataLabel>
-  <cs:dataLabelCallout>
-    <cs:lnRef idx="0"/>
-    <cs:fillRef idx="0"/>
-    <cs:effectRef idx="0"/>
-    <cs:fontRef idx="minor">
-      <a:schemeClr val="dk1">
-        <a:lumMod val="65000"/>
-        <a:lumOff val="35000"/>
-      </a:schemeClr>
-    </cs:fontRef>
-    <cs:spPr>
-      <a:solidFill>
-        <a:schemeClr val="lt1"/>
-      </a:solidFill>
-      <a:ln>
-        <a:solidFill>
-          <a:schemeClr val="dk1">
-            <a:lumMod val="25000"/>
-            <a:lumOff val="75000"/>
-          </a:schemeClr>
-        </a:solidFill>
-      </a:ln>
-    </cs:spPr>
-    <cs:defRPr sz="900" kern="1200"/>
-    <cs:bodyPr rot="0" spcFirstLastPara="1" vertOverflow="clip" horzOverflow="clip" vert="horz" wrap="square" lIns="36576" tIns="18288" rIns="36576" bIns="18288" anchor="ctr" anchorCtr="1">
-      <a:spAutoFit/>
-    </cs:bodyPr>
-  </cs:dataLabelCallout>
-  <cs:dataPoint>
-    <cs:lnRef idx="0"/>
-    <cs:fillRef idx="1">
-      <cs:styleClr val="auto"/>
-    </cs:fillRef>
-    <cs:effectRef idx="0"/>
-    <cs:fontRef idx="minor">
-      <a:schemeClr val="tx1"/>
-    </cs:fontRef>
-  </cs:dataPoint>
-  <cs:dataPoint3D>
-    <cs:lnRef idx="0"/>
-    <cs:fillRef idx="1">
-      <cs:styleClr val="auto"/>
-    </cs:fillRef>
-    <cs:effectRef idx="0"/>
-    <cs:fontRef idx="minor">
-      <a:schemeClr val="tx1"/>
-    </cs:fontRef>
-  </cs:dataPoint3D>
-  <cs:dataPointLine>
-    <cs:lnRef idx="0">
-      <cs:styleClr val="auto"/>
-    </cs:lnRef>
-    <cs:fillRef idx="1"/>
-    <cs:effectRef idx="0"/>
-    <cs:fontRef idx="minor">
-      <a:schemeClr val="tx1"/>
-    </cs:fontRef>
-    <cs:spPr>
-      <a:ln w="19050" cap="rnd">
-        <a:solidFill>
-          <a:schemeClr val="phClr"/>
-        </a:solidFill>
-        <a:round/>
-      </a:ln>
-    </cs:spPr>
-  </cs:dataPointLine>
-  <cs:dataPointMarker>
-    <cs:lnRef idx="0">
-      <cs:styleClr val="auto"/>
-    </cs:lnRef>
-    <cs:fillRef idx="1">
-      <cs:styleClr val="auto"/>
-    </cs:fillRef>
-    <cs:effectRef idx="0"/>
-    <cs:fontRef idx="minor">
-      <a:schemeClr val="tx1"/>
-    </cs:fontRef>
-    <cs:spPr>
-      <a:ln w="9525">
-        <a:solidFill>
-          <a:schemeClr val="phClr"/>
-        </a:solidFill>
-      </a:ln>
-    </cs:spPr>
-  </cs:dataPointMarker>
-  <cs:dataPointMarkerLayout symbol="circle" size="5"/>
-  <cs:dataPointWireframe>
-    <cs:lnRef idx="0">
-      <cs:styleClr val="auto"/>
-    </cs:lnRef>
-    <cs:fillRef idx="0"/>
-    <cs:effectRef idx="0"/>
-    <cs:fontRef idx="minor">
-      <a:schemeClr val="dk1"/>
-    </cs:fontRef>
-    <cs:spPr>
-      <a:ln w="9525" cap="rnd">
-        <a:solidFill>
-          <a:schemeClr val="phClr"/>
-        </a:solidFill>
-        <a:round/>
-      </a:ln>
-    </cs:spPr>
-  </cs:dataPointWireframe>
-  <cs:dataTable>
-    <cs:lnRef idx="0"/>
-    <cs:fillRef idx="0"/>
-    <cs:effectRef idx="0"/>
-    <cs:fontRef idx="minor">
-      <a:schemeClr val="tx1">
-        <a:lumMod val="65000"/>
-        <a:lumOff val="35000"/>
-      </a:schemeClr>
-    </cs:fontRef>
-    <cs:spPr>
-      <a:noFill/>
-      <a:ln w="9525" cap="flat" cmpd="sng" algn="ctr">
-        <a:solidFill>
-          <a:schemeClr val="tx1">
-            <a:lumMod val="15000"/>
-            <a:lumOff val="85000"/>
-          </a:schemeClr>
-        </a:solidFill>
-        <a:round/>
-      </a:ln>
-    </cs:spPr>
-    <cs:defRPr sz="900" kern="1200"/>
-  </cs:dataTable>
-  <cs:downBar>
-    <cs:lnRef idx="0"/>
-    <cs:fillRef idx="0"/>
-    <cs:effectRef idx="0"/>
-    <cs:fontRef idx="minor">
-      <a:schemeClr val="tx1"/>
-    </cs:fontRef>
-    <cs:spPr>
-      <a:solidFill>
-        <a:schemeClr val="dk1">
-          <a:lumMod val="75000"/>
-          <a:lumOff val="25000"/>
-        </a:schemeClr>
-      </a:solidFill>
-      <a:ln w="9525" cap="flat" cmpd="sng" algn="ctr">
-        <a:solidFill>
-          <a:schemeClr val="tx1">
-            <a:lumMod val="65000"/>
-            <a:lumOff val="35000"/>
-          </a:schemeClr>
-        </a:solidFill>
-        <a:round/>
-      </a:ln>
-    </cs:spPr>
-  </cs:downBar>
-  <cs:dropLine>
-    <cs:lnRef idx="0"/>
-    <cs:fillRef idx="0"/>
-    <cs:effectRef idx="0"/>
-    <cs:fontRef idx="minor">
-      <a:schemeClr val="tx1"/>
-    </cs:fontRef>
-    <cs:spPr>
-      <a:ln w="9525" cap="flat" cmpd="sng" algn="ctr">
-        <a:solidFill>
-          <a:schemeClr val="tx1">
-            <a:lumMod val="35000"/>
-            <a:lumOff val="65000"/>
-          </a:schemeClr>
-        </a:solidFill>
-        <a:round/>
-      </a:ln>
-    </cs:spPr>
-  </cs:dropLine>
-  <cs:errorBar>
-    <cs:lnRef idx="0"/>
-    <cs:fillRef idx="0"/>
-    <cs:effectRef idx="0"/>
-    <cs:fontRef idx="minor">
-      <a:schemeClr val="tx1"/>
-    </cs:fontRef>
-    <cs:spPr>
-      <a:ln w="9525" cap="flat" cmpd="sng" algn="ctr">
-        <a:solidFill>
-          <a:schemeClr val="tx1">
-            <a:lumMod val="65000"/>
-            <a:lumOff val="35000"/>
-          </a:schemeClr>
-        </a:solidFill>
-        <a:round/>
-      </a:ln>
-    </cs:spPr>
-  </cs:errorBar>
-  <cs:floor>
-    <cs:lnRef idx="0"/>
-    <cs:fillRef idx="0"/>
-    <cs:effectRef idx="0"/>
-    <cs:fontRef idx="minor">
-      <a:schemeClr val="tx1"/>
-    </cs:fontRef>
-    <cs:spPr>
-      <a:noFill/>
-      <a:ln>
-        <a:noFill/>
-      </a:ln>
-    </cs:spPr>
-  </cs:floor>
-  <cs:gridlineMajor>
-    <cs:lnRef idx="0"/>
-    <cs:fillRef idx="0"/>
-    <cs:effectRef idx="0"/>
-    <cs:fontRef idx="minor">
-      <a:schemeClr val="tx1"/>
-    </cs:fontRef>
-    <cs:spPr>
-      <a:ln w="9525" cap="flat" cmpd="sng" algn="ctr">
-        <a:solidFill>
-          <a:schemeClr val="tx1">
-            <a:lumMod val="15000"/>
-            <a:lumOff val="85000"/>
-          </a:schemeClr>
-        </a:solidFill>
-        <a:round/>
-      </a:ln>
-    </cs:spPr>
-  </cs:gridlineMajor>
-  <cs:gridlineMinor>
-    <cs:lnRef idx="0"/>
-    <cs:fillRef idx="0"/>
-    <cs:effectRef idx="0"/>
-    <cs:fontRef idx="minor">
-      <a:schemeClr val="tx1"/>
-    </cs:fontRef>
-    <cs:spPr>
-      <a:ln w="9525" cap="flat" cmpd="sng" algn="ctr">
-        <a:solidFill>
-          <a:schemeClr val="tx1">
-            <a:lumMod val="5000"/>
-            <a:lumOff val="95000"/>
-          </a:schemeClr>
-        </a:solidFill>
-        <a:round/>
-      </a:ln>
-    </cs:spPr>
-  </cs:gridlineMinor>
-  <cs:hiLoLine>
-    <cs:lnRef idx="0"/>
-    <cs:fillRef idx="0"/>
-    <cs:effectRef idx="0"/>
-    <cs:fontRef idx="minor">
-      <a:schemeClr val="tx1"/>
-    </cs:fontRef>
-    <cs:spPr>
-      <a:ln w="9525" cap="flat" cmpd="sng" algn="ctr">
-        <a:solidFill>
-          <a:schemeClr val="tx1">
-            <a:lumMod val="50000"/>
-            <a:lumOff val="50000"/>
-          </a:schemeClr>
-        </a:solidFill>
-        <a:round/>
-      </a:ln>
-    </cs:spPr>
-  </cs:hiLoLine>
-  <cs:leaderLine>
-    <cs:lnRef idx="0"/>
-    <cs:fillRef idx="0"/>
-    <cs:effectRef idx="0"/>
-    <cs:fontRef idx="minor">
-      <a:schemeClr val="tx1"/>
-    </cs:fontRef>
-    <cs:spPr>
-      <a:ln w="9525" cap="flat" cmpd="sng" algn="ctr">
-        <a:solidFill>
-          <a:schemeClr val="tx1">
-            <a:lumMod val="35000"/>
-            <a:lumOff val="65000"/>
-          </a:schemeClr>
-        </a:solidFill>
-        <a:round/>
-      </a:ln>
-    </cs:spPr>
-  </cs:leaderLine>
-  <cs:legend>
-    <cs:lnRef idx="0"/>
-    <cs:fillRef idx="0"/>
-    <cs:effectRef idx="0"/>
-    <cs:fontRef idx="minor">
-      <a:schemeClr val="tx1">
-        <a:lumMod val="65000"/>
-        <a:lumOff val="35000"/>
-      </a:schemeClr>
-    </cs:fontRef>
-    <cs:defRPr sz="900" kern="1200"/>
-  </cs:legend>
-  <cs:plotArea mods="allowNoFillOverride allowNoLineOverride">
-    <cs:lnRef idx="0"/>
-    <cs:fillRef idx="0"/>
-    <cs:effectRef idx="0"/>
-    <cs:fontRef idx="minor">
-      <a:schemeClr val="tx1"/>
-    </cs:fontRef>
-  </cs:plotArea>
-  <cs:plotArea3D mods="allowNoFillOverride allowNoLineOverride">
-    <cs:lnRef idx="0"/>
-    <cs:fillRef idx="0"/>
-    <cs:effectRef idx="0"/>
-    <cs:fontRef idx="minor">
-      <a:schemeClr val="tx1"/>
-    </cs:fontRef>
-  </cs:plotArea3D>
-  <cs:seriesAxis>
-    <cs:lnRef idx="0"/>
-    <cs:fillRef idx="0"/>
-    <cs:effectRef idx="0"/>
-    <cs:fontRef idx="minor">
-      <a:schemeClr val="tx1">
-        <a:lumMod val="65000"/>
-        <a:lumOff val="35000"/>
-      </a:schemeClr>
-    </cs:fontRef>
-    <cs:defRPr sz="900" kern="1200"/>
-  </cs:seriesAxis>
-  <cs:seriesLine>
-    <cs:lnRef idx="0"/>
-    <cs:fillRef idx="0"/>
-    <cs:effectRef idx="0"/>
-    <cs:fontRef idx="minor">
-      <a:schemeClr val="tx1"/>
-    </cs:fontRef>
-    <cs:spPr>
-      <a:ln w="9525" cap="flat" cmpd="sng" algn="ctr">
-        <a:solidFill>
-          <a:schemeClr val="tx1">
-            <a:lumMod val="35000"/>
-            <a:lumOff val="65000"/>
-          </a:schemeClr>
-        </a:solidFill>
-        <a:round/>
-      </a:ln>
-    </cs:spPr>
-  </cs:seriesLine>
-  <cs:title>
-    <cs:lnRef idx="0"/>
-    <cs:fillRef idx="0"/>
-    <cs:effectRef idx="0"/>
-    <cs:fontRef idx="minor">
-      <a:schemeClr val="tx1">
-        <a:lumMod val="65000"/>
-        <a:lumOff val="35000"/>
-      </a:schemeClr>
-    </cs:fontRef>
-    <cs:defRPr sz="1400" b="0" kern="1200" spc="0" baseline="0"/>
-  </cs:title>
-  <cs:trendline>
-    <cs:lnRef idx="0">
-      <cs:styleClr val="auto"/>
-    </cs:lnRef>
-    <cs:fillRef idx="0"/>
-    <cs:effectRef idx="0"/>
-    <cs:fontRef idx="minor">
-      <a:schemeClr val="tx1"/>
-    </cs:fontRef>
-    <cs:spPr>
-      <a:ln w="19050" cap="rnd">
-        <a:solidFill>
-          <a:schemeClr val="phClr"/>
-        </a:solidFill>
-        <a:prstDash val="sysDot"/>
-      </a:ln>
-    </cs:spPr>
-  </cs:trendline>
-  <cs:trendlineLabel>
-    <cs:lnRef idx="0"/>
-    <cs:fillRef idx="0"/>
-    <cs:effectRef idx="0"/>
-    <cs:fontRef idx="minor">
-      <a:schemeClr val="tx1">
-        <a:lumMod val="65000"/>
-        <a:lumOff val="35000"/>
-      </a:schemeClr>
-    </cs:fontRef>
-    <cs:defRPr sz="900" kern="1200"/>
-  </cs:trendlineLabel>
-  <cs:upBar>
-    <cs:lnRef idx="0"/>
-    <cs:fillRef idx="0"/>
-    <cs:effectRef idx="0"/>
-    <cs:fontRef idx="minor">
-      <a:schemeClr val="tx1"/>
-    </cs:fontRef>
-    <cs:spPr>
-      <a:solidFill>
-        <a:schemeClr val="lt1"/>
-      </a:solidFill>
-      <a:ln w="9525" cap="flat" cmpd="sng" algn="ctr">
-        <a:solidFill>
-          <a:schemeClr val="tx1">
-            <a:lumMod val="65000"/>
-            <a:lumOff val="35000"/>
-          </a:schemeClr>
-        </a:solidFill>
-        <a:round/>
-      </a:ln>
-    </cs:spPr>
-  </cs:upBar>
-  <cs:valueAxis>
-    <cs:lnRef idx="0"/>
-    <cs:fillRef idx="0"/>
-    <cs:effectRef idx="0"/>
-    <cs:fontRef idx="minor">
-      <a:schemeClr val="tx1">
-        <a:lumMod val="65000"/>
-        <a:lumOff val="35000"/>
-      </a:schemeClr>
-    </cs:fontRef>
-    <cs:spPr>
-      <a:ln w="9525" cap="flat" cmpd="sng" algn="ctr">
-        <a:solidFill>
-          <a:schemeClr val="tx1">
-            <a:lumMod val="25000"/>
-            <a:lumOff val="75000"/>
-          </a:schemeClr>
-        </a:solidFill>
-        <a:round/>
-      </a:ln>
-    </cs:spPr>
-    <cs:defRPr sz="900" kern="1200"/>
-  </cs:valueAxis>
-  <cs:wall>
-    <cs:lnRef idx="0"/>
-    <cs:fillRef idx="0"/>
-    <cs:effectRef idx="0"/>
-    <cs:fontRef idx="minor">
-      <a:schemeClr val="tx1"/>
-    </cs:fontRef>
-    <cs:spPr>
-      <a:noFill/>
-      <a:ln>
-        <a:noFill/>
-      </a:ln>
-    </cs:spPr>
-  </cs:wall>
-</cs:chartStyle>
-</file>
-
-<file path=ppt/charts/style2.xml><?xml version="1.0" encoding="utf-8"?>
 <cs:chartStyle xmlns:cs="http://schemas.microsoft.com/office/drawing/2012/chartStyle" xmlns:a="http://schemas.openxmlformats.org/drawingml/2006/main" id="240">
   <cs:axisTitle>
     <cs:lnRef idx="0"/>
@@ -17120,11 +15866,7 @@
             <a:pPr algn="l"/>
             <a:r>
               <a:rPr kumimoji="1" lang="ja-JP" altLang="en-US" dirty="0" smtClean="0"/>
-              <a:t>決定木の本数</a:t>
-            </a:r>
-            <a:r>
-              <a:rPr kumimoji="1" lang="ja-JP" altLang="en-US" dirty="0" smtClean="0"/>
-              <a:t>：</a:t>
+              <a:t>決定木の本数：</a:t>
             </a:r>
             <a:r>
               <a:rPr lang="en-US" altLang="ja-JP" dirty="0" smtClean="0"/>
@@ -17191,11 +15933,7 @@
             </a:br>
             <a:r>
               <a:rPr kumimoji="1" lang="ja-JP" altLang="en-US" dirty="0" smtClean="0"/>
-              <a:t>突然変異確率</a:t>
-            </a:r>
-            <a:r>
-              <a:rPr kumimoji="1" lang="ja-JP" altLang="en-US" dirty="0" smtClean="0"/>
-              <a:t>：</a:t>
+              <a:t>突然変異確率：</a:t>
             </a:r>
             <a:r>
               <a:rPr lang="en-US" altLang="ja-JP" dirty="0"/>
@@ -17205,7 +15943,6 @@
               <a:rPr kumimoji="1" lang="en-US" altLang="ja-JP" dirty="0" smtClean="0"/>
               <a:t>/50</a:t>
             </a:r>
-            <a:endParaRPr kumimoji="1" lang="en-US" altLang="ja-JP" dirty="0" smtClean="0"/>
           </a:p>
           <a:p>
             <a:pPr algn="l"/>
@@ -18201,7 +16938,7 @@
 </file>
 
 <file path=ppt/slides/slide5.xml><?xml version="1.0" encoding="utf-8"?>
-<p:sld xmlns:a="http://schemas.openxmlformats.org/drawingml/2006/main" xmlns:r="http://schemas.openxmlformats.org/officeDocument/2006/relationships" xmlns:p="http://schemas.openxmlformats.org/presentationml/2006/main">
+<p:sld xmlns:a="http://schemas.openxmlformats.org/drawingml/2006/main" xmlns:r="http://schemas.openxmlformats.org/officeDocument/2006/relationships" xmlns:p="http://schemas.openxmlformats.org/presentationml/2006/main" show="0">
   <p:cSld>
     <p:spTree>
       <p:nvGrpSpPr>
@@ -18254,7 +16991,7 @@
             <p:ph idx="1"/>
             <p:extLst>
               <p:ext uri="{D42A27DB-BD31-4B8C-83A1-F6EECF244321}">
-                <p14:modId xmlns:p14="http://schemas.microsoft.com/office/powerpoint/2010/main" val="2502631194"/>
+                <p14:modId xmlns:p14="http://schemas.microsoft.com/office/powerpoint/2010/main" val="4240154405"/>
               </p:ext>
             </p:extLst>
           </p:nvPr>
@@ -18349,16 +17086,28 @@
                 </a:gridCol>
               </a:tblGrid>
               <a:tr h="370840">
-                <a:tc>
+                <a:tc rowSpan="2">
                   <a:txBody>
                     <a:bodyPr/>
                     <a:lstStyle/>
                     <a:p>
                       <a:pPr algn="ctr"/>
-                      <a:endParaRPr kumimoji="1" lang="ja-JP" altLang="en-US" sz="2000" dirty="0"/>
+                      <a:r>
+                        <a:rPr kumimoji="1" lang="ja-JP" altLang="en-US" sz="2000" b="0" dirty="0" smtClean="0">
+                          <a:solidFill>
+                            <a:schemeClr val="tx1"/>
+                          </a:solidFill>
+                        </a:rPr>
+                        <a:t>本数</a:t>
+                      </a:r>
+                      <a:endParaRPr kumimoji="1" lang="ja-JP" altLang="en-US" sz="2000" b="0" dirty="0">
+                        <a:solidFill>
+                          <a:schemeClr val="tx1"/>
+                        </a:solidFill>
+                      </a:endParaRPr>
                     </a:p>
                   </a:txBody>
-                  <a:tcPr>
+                  <a:tcPr anchor="ctr">
                     <a:lnR w="12700" cap="flat" cmpd="sng" algn="ctr">
                       <a:solidFill>
                         <a:schemeClr val="tx1"/>
@@ -18377,6 +17126,15 @@
                       <a:headEnd type="none" w="med" len="med"/>
                       <a:tailEnd type="none" w="med" len="med"/>
                     </a:lnT>
+                    <a:lnB w="38100" cap="flat" cmpd="sng" algn="ctr">
+                      <a:solidFill>
+                        <a:schemeClr val="tx1"/>
+                      </a:solidFill>
+                      <a:prstDash val="solid"/>
+                      <a:round/>
+                      <a:headEnd type="none" w="med" len="med"/>
+                      <a:tailEnd type="none" w="med" len="med"/>
+                    </a:lnB>
                     <a:noFill/>
                   </a:tcPr>
                 </a:tc>
@@ -18826,16 +17584,12 @@
                 </a:extLst>
               </a:tr>
               <a:tr h="370840">
-                <a:tc>
+                <a:tc vMerge="1">
                   <a:txBody>
                     <a:bodyPr/>
                     <a:lstStyle/>
                     <a:p>
                       <a:pPr algn="ctr"/>
-                      <a:r>
-                        <a:rPr kumimoji="1" lang="ja-JP" altLang="en-US" sz="2000" dirty="0" smtClean="0"/>
-                        <a:t>本数</a:t>
-                      </a:r>
                       <a:endParaRPr kumimoji="1" lang="ja-JP" altLang="en-US" sz="2000" dirty="0"/>
                     </a:p>
                   </a:txBody>
@@ -19324,6 +18078,7 @@
                     <a:bodyPr/>
                     <a:lstStyle/>
                     <a:p>
+                      <a:pPr algn="ctr"/>
                       <a:r>
                         <a:rPr kumimoji="1" lang="en-US" altLang="ja-JP" sz="2400" b="0" dirty="0" smtClean="0"/>
                         <a:t>100</a:t>
@@ -19331,7 +18086,7 @@
                       <a:endParaRPr kumimoji="1" lang="ja-JP" altLang="en-US" sz="2400" b="0" dirty="0"/>
                     </a:p>
                   </a:txBody>
-                  <a:tcPr>
+                  <a:tcPr anchor="ctr">
                     <a:lnR w="12700" cap="flat" cmpd="sng" algn="ctr">
                       <a:solidFill>
                         <a:schemeClr val="tx1"/>
@@ -19936,6 +18691,7 @@
                     <a:bodyPr/>
                     <a:lstStyle/>
                     <a:p>
+                      <a:pPr algn="ctr"/>
                       <a:r>
                         <a:rPr kumimoji="1" lang="en-US" altLang="ja-JP" sz="2400" b="0" dirty="0" smtClean="0"/>
                         <a:t>150</a:t>
@@ -19943,7 +18699,7 @@
                       <a:endParaRPr kumimoji="1" lang="ja-JP" altLang="en-US" sz="2400" b="0" dirty="0"/>
                     </a:p>
                   </a:txBody>
-                  <a:tcPr>
+                  <a:tcPr anchor="ctr">
                     <a:lnR w="12700" cap="flat" cmpd="sng" algn="ctr">
                       <a:solidFill>
                         <a:schemeClr val="tx1"/>
@@ -20449,6 +19205,7 @@
                     <a:bodyPr/>
                     <a:lstStyle/>
                     <a:p>
+                      <a:pPr algn="ctr"/>
                       <a:r>
                         <a:rPr kumimoji="1" lang="en-US" altLang="ja-JP" sz="2400" b="0" dirty="0" smtClean="0"/>
                         <a:t>200</a:t>
@@ -20456,7 +19213,7 @@
                       <a:endParaRPr kumimoji="1" lang="ja-JP" altLang="en-US" sz="2400" b="0" dirty="0"/>
                     </a:p>
                   </a:txBody>
-                  <a:tcPr>
+                  <a:tcPr anchor="ctr">
                     <a:lnR w="12700" cap="flat" cmpd="sng" algn="ctr">
                       <a:solidFill>
                         <a:schemeClr val="tx1"/>
@@ -20962,6 +19719,7 @@
                     <a:bodyPr/>
                     <a:lstStyle/>
                     <a:p>
+                      <a:pPr algn="ctr"/>
                       <a:r>
                         <a:rPr kumimoji="1" lang="en-US" altLang="ja-JP" sz="2400" b="0" dirty="0" smtClean="0"/>
                         <a:t>500</a:t>
@@ -20969,7 +19727,7 @@
                       <a:endParaRPr kumimoji="1" lang="ja-JP" altLang="en-US" sz="2400" b="0" dirty="0"/>
                     </a:p>
                   </a:txBody>
-                  <a:tcPr>
+                  <a:tcPr anchor="ctr">
                     <a:lnR w="12700" cap="flat" cmpd="sng" algn="ctr">
                       <a:solidFill>
                         <a:schemeClr val="tx1"/>
@@ -21720,6 +20478,14 @@
   <p:clrMapOvr>
     <a:masterClrMapping/>
   </p:clrMapOvr>
+  <mc:AlternateContent xmlns:mc="http://schemas.openxmlformats.org/markup-compatibility/2006">
+    <mc:Choice xmlns:p14="http://schemas.microsoft.com/office/powerpoint/2010/main" Requires="p14">
+      <p:transition spd="slow" p14:dur="2000"/>
+    </mc:Choice>
+    <mc:Fallback>
+      <p:transition spd="slow"/>
+    </mc:Fallback>
+  </mc:AlternateContent>
   <p:timing>
     <p:tnLst>
       <p:par>
@@ -21784,7 +20550,7 @@
             <p:ph idx="1"/>
             <p:extLst>
               <p:ext uri="{D42A27DB-BD31-4B8C-83A1-F6EECF244321}">
-                <p14:modId xmlns:p14="http://schemas.microsoft.com/office/powerpoint/2010/main" val="3143145195"/>
+                <p14:modId xmlns:p14="http://schemas.microsoft.com/office/powerpoint/2010/main" val="3026833265"/>
               </p:ext>
             </p:extLst>
           </p:nvPr>
@@ -21879,16 +20645,28 @@
                 </a:gridCol>
               </a:tblGrid>
               <a:tr h="370840">
-                <a:tc>
+                <a:tc rowSpan="2">
                   <a:txBody>
                     <a:bodyPr/>
                     <a:lstStyle/>
                     <a:p>
                       <a:pPr algn="ctr"/>
-                      <a:endParaRPr kumimoji="1" lang="ja-JP" altLang="en-US" sz="2000" dirty="0"/>
+                      <a:r>
+                        <a:rPr kumimoji="1" lang="ja-JP" altLang="en-US" sz="2000" b="0" dirty="0" smtClean="0">
+                          <a:solidFill>
+                            <a:schemeClr val="tx1"/>
+                          </a:solidFill>
+                        </a:rPr>
+                        <a:t>本数</a:t>
+                      </a:r>
+                      <a:endParaRPr kumimoji="1" lang="ja-JP" altLang="en-US" sz="2000" b="0" dirty="0">
+                        <a:solidFill>
+                          <a:schemeClr val="tx1"/>
+                        </a:solidFill>
+                      </a:endParaRPr>
                     </a:p>
                   </a:txBody>
-                  <a:tcPr>
+                  <a:tcPr anchor="ctr">
                     <a:lnR w="12700" cap="flat" cmpd="sng" algn="ctr">
                       <a:solidFill>
                         <a:schemeClr val="tx1"/>
@@ -21907,6 +20685,15 @@
                       <a:headEnd type="none" w="med" len="med"/>
                       <a:tailEnd type="none" w="med" len="med"/>
                     </a:lnT>
+                    <a:lnB w="38100" cap="flat" cmpd="sng" algn="ctr">
+                      <a:solidFill>
+                        <a:schemeClr val="tx1"/>
+                      </a:solidFill>
+                      <a:prstDash val="solid"/>
+                      <a:round/>
+                      <a:headEnd type="none" w="med" len="med"/>
+                      <a:tailEnd type="none" w="med" len="med"/>
+                    </a:lnB>
                     <a:noFill/>
                   </a:tcPr>
                 </a:tc>
@@ -21959,6 +20746,15 @@
                       <a:headEnd type="none" w="med" len="med"/>
                       <a:tailEnd type="none" w="med" len="med"/>
                     </a:lnT>
+                    <a:lnB w="12700" cap="flat" cmpd="sng" algn="ctr">
+                      <a:solidFill>
+                        <a:schemeClr val="tx1"/>
+                      </a:solidFill>
+                      <a:prstDash val="solid"/>
+                      <a:round/>
+                      <a:headEnd type="none" w="med" len="med"/>
+                      <a:tailEnd type="none" w="med" len="med"/>
+                    </a:lnB>
                     <a:noFill/>
                   </a:tcPr>
                 </a:tc>
@@ -22048,6 +20844,15 @@
                       <a:headEnd type="none" w="med" len="med"/>
                       <a:tailEnd type="none" w="med" len="med"/>
                     </a:lnT>
+                    <a:lnB w="12700" cap="flat" cmpd="sng" algn="ctr">
+                      <a:solidFill>
+                        <a:schemeClr val="tx1"/>
+                      </a:solidFill>
+                      <a:prstDash val="solid"/>
+                      <a:round/>
+                      <a:headEnd type="none" w="med" len="med"/>
+                      <a:tailEnd type="none" w="med" len="med"/>
+                    </a:lnB>
                     <a:noFill/>
                   </a:tcPr>
                 </a:tc>
@@ -22137,6 +20942,15 @@
                       <a:headEnd type="none" w="med" len="med"/>
                       <a:tailEnd type="none" w="med" len="med"/>
                     </a:lnT>
+                    <a:lnB w="12700" cap="flat" cmpd="sng" algn="ctr">
+                      <a:solidFill>
+                        <a:schemeClr val="tx1"/>
+                      </a:solidFill>
+                      <a:prstDash val="solid"/>
+                      <a:round/>
+                      <a:headEnd type="none" w="med" len="med"/>
+                      <a:tailEnd type="none" w="med" len="med"/>
+                    </a:lnB>
                     <a:noFill/>
                   </a:tcPr>
                 </a:tc>
@@ -22226,6 +21040,15 @@
                       <a:headEnd type="none" w="med" len="med"/>
                       <a:tailEnd type="none" w="med" len="med"/>
                     </a:lnT>
+                    <a:lnB w="12700" cap="flat" cmpd="sng" algn="ctr">
+                      <a:solidFill>
+                        <a:schemeClr val="tx1"/>
+                      </a:solidFill>
+                      <a:prstDash val="solid"/>
+                      <a:round/>
+                      <a:headEnd type="none" w="med" len="med"/>
+                      <a:tailEnd type="none" w="med" len="med"/>
+                    </a:lnB>
                     <a:noFill/>
                   </a:tcPr>
                 </a:tc>
@@ -22312,6 +21135,15 @@
                       <a:headEnd type="none" w="med" len="med"/>
                       <a:tailEnd type="none" w="med" len="med"/>
                     </a:lnT>
+                    <a:lnB w="12700" cap="flat" cmpd="sng" algn="ctr">
+                      <a:solidFill>
+                        <a:schemeClr val="tx1"/>
+                      </a:solidFill>
+                      <a:prstDash val="solid"/>
+                      <a:round/>
+                      <a:headEnd type="none" w="med" len="med"/>
+                      <a:tailEnd type="none" w="med" len="med"/>
+                    </a:lnB>
                     <a:noFill/>
                   </a:tcPr>
                 </a:tc>
@@ -22356,16 +21188,12 @@
                 </a:extLst>
               </a:tr>
               <a:tr h="370840">
-                <a:tc>
+                <a:tc vMerge="1">
                   <a:txBody>
                     <a:bodyPr/>
                     <a:lstStyle/>
                     <a:p>
                       <a:pPr algn="ctr"/>
-                      <a:r>
-                        <a:rPr kumimoji="1" lang="ja-JP" altLang="en-US" sz="2000" dirty="0" smtClean="0"/>
-                        <a:t>本数</a:t>
-                      </a:r>
                       <a:endParaRPr kumimoji="1" lang="ja-JP" altLang="en-US" sz="2000" dirty="0"/>
                     </a:p>
                   </a:txBody>
@@ -22427,6 +21255,15 @@
                       <a:headEnd type="none" w="med" len="med"/>
                       <a:tailEnd type="none" w="med" len="med"/>
                     </a:lnR>
+                    <a:lnT w="12700" cap="flat" cmpd="sng" algn="ctr">
+                      <a:solidFill>
+                        <a:schemeClr val="tx1"/>
+                      </a:solidFill>
+                      <a:prstDash val="solid"/>
+                      <a:round/>
+                      <a:headEnd type="none" w="med" len="med"/>
+                      <a:tailEnd type="none" w="med" len="med"/>
+                    </a:lnT>
                     <a:lnB w="38100" cap="flat" cmpd="sng" algn="ctr">
                       <a:solidFill>
                         <a:schemeClr val="tx1"/>
@@ -22471,6 +21308,15 @@
                       <a:headEnd type="none" w="med" len="med"/>
                       <a:tailEnd type="none" w="med" len="med"/>
                     </a:lnR>
+                    <a:lnT w="12700" cap="flat" cmpd="sng" algn="ctr">
+                      <a:solidFill>
+                        <a:schemeClr val="tx1"/>
+                      </a:solidFill>
+                      <a:prstDash val="solid"/>
+                      <a:round/>
+                      <a:headEnd type="none" w="med" len="med"/>
+                      <a:tailEnd type="none" w="med" len="med"/>
+                    </a:lnT>
                     <a:lnB w="38100" cap="flat" cmpd="sng" algn="ctr">
                       <a:solidFill>
                         <a:schemeClr val="tx1"/>
@@ -22519,6 +21365,15 @@
                       <a:headEnd type="none" w="med" len="med"/>
                       <a:tailEnd type="none" w="med" len="med"/>
                     </a:lnR>
+                    <a:lnT w="12700" cap="flat" cmpd="sng" algn="ctr">
+                      <a:solidFill>
+                        <a:schemeClr val="tx1"/>
+                      </a:solidFill>
+                      <a:prstDash val="solid"/>
+                      <a:round/>
+                      <a:headEnd type="none" w="med" len="med"/>
+                      <a:tailEnd type="none" w="med" len="med"/>
+                    </a:lnT>
                     <a:lnB w="38100" cap="flat" cmpd="sng" algn="ctr">
                       <a:solidFill>
                         <a:schemeClr val="tx1"/>
@@ -22563,6 +21418,15 @@
                       <a:headEnd type="none" w="med" len="med"/>
                       <a:tailEnd type="none" w="med" len="med"/>
                     </a:lnR>
+                    <a:lnT w="12700" cap="flat" cmpd="sng" algn="ctr">
+                      <a:solidFill>
+                        <a:schemeClr val="tx1"/>
+                      </a:solidFill>
+                      <a:prstDash val="solid"/>
+                      <a:round/>
+                      <a:headEnd type="none" w="med" len="med"/>
+                      <a:tailEnd type="none" w="med" len="med"/>
+                    </a:lnT>
                     <a:lnB w="38100" cap="flat" cmpd="sng" algn="ctr">
                       <a:solidFill>
                         <a:schemeClr val="tx1"/>
@@ -22611,6 +21475,15 @@
                       <a:headEnd type="none" w="med" len="med"/>
                       <a:tailEnd type="none" w="med" len="med"/>
                     </a:lnR>
+                    <a:lnT w="12700" cap="flat" cmpd="sng" algn="ctr">
+                      <a:solidFill>
+                        <a:schemeClr val="tx1"/>
+                      </a:solidFill>
+                      <a:prstDash val="solid"/>
+                      <a:round/>
+                      <a:headEnd type="none" w="med" len="med"/>
+                      <a:tailEnd type="none" w="med" len="med"/>
+                    </a:lnT>
                     <a:lnB w="38100" cap="flat" cmpd="sng" algn="ctr">
                       <a:solidFill>
                         <a:schemeClr val="tx1"/>
@@ -22655,6 +21528,15 @@
                       <a:headEnd type="none" w="med" len="med"/>
                       <a:tailEnd type="none" w="med" len="med"/>
                     </a:lnR>
+                    <a:lnT w="12700" cap="flat" cmpd="sng" algn="ctr">
+                      <a:solidFill>
+                        <a:schemeClr val="tx1"/>
+                      </a:solidFill>
+                      <a:prstDash val="solid"/>
+                      <a:round/>
+                      <a:headEnd type="none" w="med" len="med"/>
+                      <a:tailEnd type="none" w="med" len="med"/>
+                    </a:lnT>
                     <a:lnB w="38100" cap="flat" cmpd="sng" algn="ctr">
                       <a:solidFill>
                         <a:schemeClr val="tx1"/>
@@ -22703,6 +21585,15 @@
                       <a:headEnd type="none" w="med" len="med"/>
                       <a:tailEnd type="none" w="med" len="med"/>
                     </a:lnR>
+                    <a:lnT w="12700" cap="flat" cmpd="sng" algn="ctr">
+                      <a:solidFill>
+                        <a:schemeClr val="tx1"/>
+                      </a:solidFill>
+                      <a:prstDash val="solid"/>
+                      <a:round/>
+                      <a:headEnd type="none" w="med" len="med"/>
+                      <a:tailEnd type="none" w="med" len="med"/>
+                    </a:lnT>
                     <a:lnB w="38100" cap="flat" cmpd="sng" algn="ctr">
                       <a:solidFill>
                         <a:schemeClr val="tx1"/>
@@ -22747,6 +21638,15 @@
                       <a:headEnd type="none" w="med" len="med"/>
                       <a:tailEnd type="none" w="med" len="med"/>
                     </a:lnR>
+                    <a:lnT w="12700" cap="flat" cmpd="sng" algn="ctr">
+                      <a:solidFill>
+                        <a:schemeClr val="tx1"/>
+                      </a:solidFill>
+                      <a:prstDash val="solid"/>
+                      <a:round/>
+                      <a:headEnd type="none" w="med" len="med"/>
+                      <a:tailEnd type="none" w="med" len="med"/>
+                    </a:lnT>
                     <a:lnB w="38100" cap="flat" cmpd="sng" algn="ctr">
                       <a:solidFill>
                         <a:schemeClr val="tx1"/>
@@ -22795,6 +21695,15 @@
                       <a:headEnd type="none" w="med" len="med"/>
                       <a:tailEnd type="none" w="med" len="med"/>
                     </a:lnR>
+                    <a:lnT w="12700" cap="flat" cmpd="sng" algn="ctr">
+                      <a:solidFill>
+                        <a:schemeClr val="tx1"/>
+                      </a:solidFill>
+                      <a:prstDash val="solid"/>
+                      <a:round/>
+                      <a:headEnd type="none" w="med" len="med"/>
+                      <a:tailEnd type="none" w="med" len="med"/>
+                    </a:lnT>
                     <a:lnB w="38100" cap="flat" cmpd="sng" algn="ctr">
                       <a:solidFill>
                         <a:schemeClr val="tx1"/>
@@ -22830,6 +21739,15 @@
                       <a:headEnd type="none" w="med" len="med"/>
                       <a:tailEnd type="none" w="med" len="med"/>
                     </a:lnL>
+                    <a:lnT w="12700" cap="flat" cmpd="sng" algn="ctr">
+                      <a:solidFill>
+                        <a:schemeClr val="tx1"/>
+                      </a:solidFill>
+                      <a:prstDash val="solid"/>
+                      <a:round/>
+                      <a:headEnd type="none" w="med" len="med"/>
+                      <a:tailEnd type="none" w="med" len="med"/>
+                    </a:lnT>
                     <a:lnB w="38100" cap="flat" cmpd="sng" algn="ctr">
                       <a:solidFill>
                         <a:schemeClr val="tx1"/>
@@ -22854,6 +21772,7 @@
                     <a:bodyPr/>
                     <a:lstStyle/>
                     <a:p>
+                      <a:pPr algn="ctr"/>
                       <a:r>
                         <a:rPr kumimoji="1" lang="en-US" altLang="ja-JP" sz="2400" b="0" dirty="0" smtClean="0"/>
                         <a:t>100</a:t>
@@ -23386,6 +22305,7 @@
                     <a:bodyPr/>
                     <a:lstStyle/>
                     <a:p>
+                      <a:pPr algn="ctr"/>
                       <a:r>
                         <a:rPr kumimoji="1" lang="en-US" altLang="ja-JP" sz="2400" b="0" dirty="0" smtClean="0"/>
                         <a:t>150</a:t>
@@ -23819,6 +22739,7 @@
                     <a:bodyPr/>
                     <a:lstStyle/>
                     <a:p>
+                      <a:pPr algn="ctr"/>
                       <a:r>
                         <a:rPr kumimoji="1" lang="en-US" altLang="ja-JP" sz="2400" b="0" dirty="0" smtClean="0"/>
                         <a:t>200</a:t>
@@ -24252,6 +23173,7 @@
                     <a:bodyPr/>
                     <a:lstStyle/>
                     <a:p>
+                      <a:pPr algn="ctr"/>
                       <a:r>
                         <a:rPr kumimoji="1" lang="en-US" altLang="ja-JP" sz="2400" b="0" dirty="0" smtClean="0"/>
                         <a:t>500</a:t>
@@ -24843,11 +23765,7 @@
             </a:r>
             <a:r>
               <a:rPr kumimoji="1" lang="ja-JP" altLang="en-US" dirty="0" smtClean="0"/>
-              <a:t>データ</a:t>
-            </a:r>
-            <a:r>
-              <a:rPr kumimoji="1" lang="ja-JP" altLang="en-US" dirty="0" smtClean="0"/>
-              <a:t>による最適化</a:t>
+              <a:t>データによる最適化</a:t>
             </a:r>
             <a:endParaRPr kumimoji="1" lang="ja-JP" altLang="en-US" dirty="0"/>
           </a:p>
@@ -25049,30 +23967,6 @@
       </p:sp>
       <p:graphicFrame>
         <p:nvGraphicFramePr>
-          <p:cNvPr id="7" name="グラフ 6"/>
-          <p:cNvGraphicFramePr>
-            <a:graphicFrameLocks/>
-          </p:cNvGraphicFramePr>
-          <p:nvPr>
-            <p:extLst>
-              <p:ext uri="{D42A27DB-BD31-4B8C-83A1-F6EECF244321}">
-                <p14:modId xmlns:p14="http://schemas.microsoft.com/office/powerpoint/2010/main" val="2230950222"/>
-              </p:ext>
-            </p:extLst>
-          </p:nvPr>
-        </p:nvGraphicFramePr>
-        <p:xfrm>
-          <a:off x="909943" y="1164795"/>
-          <a:ext cx="8102734" cy="2613850"/>
-        </p:xfrm>
-        <a:graphic>
-          <a:graphicData uri="http://schemas.openxmlformats.org/drawingml/2006/chart">
-            <c:chart xmlns:c="http://schemas.openxmlformats.org/drawingml/2006/chart" xmlns:r="http://schemas.openxmlformats.org/officeDocument/2006/relationships" r:id="rId2"/>
-          </a:graphicData>
-        </a:graphic>
-      </p:graphicFrame>
-      <p:graphicFrame>
-        <p:nvGraphicFramePr>
           <p:cNvPr id="9" name="グラフ 8"/>
           <p:cNvGraphicFramePr>
             <a:graphicFrameLocks/>
@@ -25080,18 +23974,18 @@
           <p:nvPr>
             <p:extLst>
               <p:ext uri="{D42A27DB-BD31-4B8C-83A1-F6EECF244321}">
-                <p14:modId xmlns:p14="http://schemas.microsoft.com/office/powerpoint/2010/main" val="276090882"/>
+                <p14:modId xmlns:p14="http://schemas.microsoft.com/office/powerpoint/2010/main" val="4033139955"/>
               </p:ext>
             </p:extLst>
           </p:nvPr>
         </p:nvGraphicFramePr>
         <p:xfrm>
-          <a:off x="909943" y="3673085"/>
-          <a:ext cx="6575944" cy="2613851"/>
+          <a:off x="909943" y="2024459"/>
+          <a:ext cx="8005457" cy="2613851"/>
         </p:xfrm>
         <a:graphic>
           <a:graphicData uri="http://schemas.openxmlformats.org/drawingml/2006/chart">
-            <c:chart xmlns:c="http://schemas.openxmlformats.org/drawingml/2006/chart" xmlns:r="http://schemas.openxmlformats.org/officeDocument/2006/relationships" r:id="rId3"/>
+            <c:chart xmlns:c="http://schemas.openxmlformats.org/drawingml/2006/chart" xmlns:r="http://schemas.openxmlformats.org/officeDocument/2006/relationships" r:id="rId2"/>
           </a:graphicData>
         </a:graphic>
       </p:graphicFrame>
@@ -25103,7 +23997,7 @@
         </p:nvSpPr>
         <p:spPr>
           <a:xfrm rot="16200000">
-            <a:off x="-434706" y="3708870"/>
+            <a:off x="-434706" y="3100551"/>
             <a:ext cx="2227633" cy="461665"/>
           </a:xfrm>
           <a:prstGeom prst="rect">
@@ -25138,7 +24032,7 @@
         </p:nvSpPr>
         <p:spPr>
           <a:xfrm>
-            <a:off x="2256817" y="6159677"/>
+            <a:off x="2247089" y="4638310"/>
             <a:ext cx="4270442" cy="523220"/>
           </a:xfrm>
           <a:prstGeom prst="rect">
@@ -25157,7 +24051,6 @@
               <a:rPr kumimoji="1" lang="ja-JP" altLang="en-US" sz="2800" dirty="0" smtClean="0"/>
               <a:t>決定木の本数</a:t>
             </a:r>
-            <a:endParaRPr kumimoji="1" lang="ja-JP" altLang="en-US" sz="2800" dirty="0" smtClean="0"/>
           </a:p>
         </p:txBody>
       </p:sp>
